--- a/figures/Graphics/blackhole_cylinder_wlcones.pptx
+++ b/figures/Graphics/blackhole_cylinder_wlcones.pptx
@@ -104,6 +104,11 @@
       </a:defRPr>
     </a:lvl9pPr>
   </p:defaultTextStyle>
+  <p:extLst>
+    <p:ext uri="{EFAFB233-063F-42B5-8137-9DF3F51BA10A}">
+      <p15:sldGuideLst xmlns:p15="http://schemas.microsoft.com/office/powerpoint/2012/main"/>
+    </p:ext>
+  </p:extLst>
 </p:presentation>
 </file>
 
@@ -238,7 +243,7 @@
           <a:p>
             <a:fld id="{ABBEAF4E-CE2E-4EEC-A39B-B2BEED729700}" type="datetimeFigureOut">
               <a:rPr lang="en-GB" smtClean="0"/>
-              <a:t>17/04/2023</a:t>
+              <a:t>30/04/2023</a:t>
             </a:fld>
             <a:endParaRPr lang="en-GB"/>
           </a:p>
@@ -408,7 +413,7 @@
           <a:p>
             <a:fld id="{ABBEAF4E-CE2E-4EEC-A39B-B2BEED729700}" type="datetimeFigureOut">
               <a:rPr lang="en-GB" smtClean="0"/>
-              <a:t>17/04/2023</a:t>
+              <a:t>30/04/2023</a:t>
             </a:fld>
             <a:endParaRPr lang="en-GB"/>
           </a:p>
@@ -588,7 +593,7 @@
           <a:p>
             <a:fld id="{ABBEAF4E-CE2E-4EEC-A39B-B2BEED729700}" type="datetimeFigureOut">
               <a:rPr lang="en-GB" smtClean="0"/>
-              <a:t>17/04/2023</a:t>
+              <a:t>30/04/2023</a:t>
             </a:fld>
             <a:endParaRPr lang="en-GB"/>
           </a:p>
@@ -758,7 +763,7 @@
           <a:p>
             <a:fld id="{ABBEAF4E-CE2E-4EEC-A39B-B2BEED729700}" type="datetimeFigureOut">
               <a:rPr lang="en-GB" smtClean="0"/>
-              <a:t>17/04/2023</a:t>
+              <a:t>30/04/2023</a:t>
             </a:fld>
             <a:endParaRPr lang="en-GB"/>
           </a:p>
@@ -1002,7 +1007,7 @@
           <a:p>
             <a:fld id="{ABBEAF4E-CE2E-4EEC-A39B-B2BEED729700}" type="datetimeFigureOut">
               <a:rPr lang="en-GB" smtClean="0"/>
-              <a:t>17/04/2023</a:t>
+              <a:t>30/04/2023</a:t>
             </a:fld>
             <a:endParaRPr lang="en-GB"/>
           </a:p>
@@ -1234,7 +1239,7 @@
           <a:p>
             <a:fld id="{ABBEAF4E-CE2E-4EEC-A39B-B2BEED729700}" type="datetimeFigureOut">
               <a:rPr lang="en-GB" smtClean="0"/>
-              <a:t>17/04/2023</a:t>
+              <a:t>30/04/2023</a:t>
             </a:fld>
             <a:endParaRPr lang="en-GB"/>
           </a:p>
@@ -1601,7 +1606,7 @@
           <a:p>
             <a:fld id="{ABBEAF4E-CE2E-4EEC-A39B-B2BEED729700}" type="datetimeFigureOut">
               <a:rPr lang="en-GB" smtClean="0"/>
-              <a:t>17/04/2023</a:t>
+              <a:t>30/04/2023</a:t>
             </a:fld>
             <a:endParaRPr lang="en-GB"/>
           </a:p>
@@ -1719,7 +1724,7 @@
           <a:p>
             <a:fld id="{ABBEAF4E-CE2E-4EEC-A39B-B2BEED729700}" type="datetimeFigureOut">
               <a:rPr lang="en-GB" smtClean="0"/>
-              <a:t>17/04/2023</a:t>
+              <a:t>30/04/2023</a:t>
             </a:fld>
             <a:endParaRPr lang="en-GB"/>
           </a:p>
@@ -1814,7 +1819,7 @@
           <a:p>
             <a:fld id="{ABBEAF4E-CE2E-4EEC-A39B-B2BEED729700}" type="datetimeFigureOut">
               <a:rPr lang="en-GB" smtClean="0"/>
-              <a:t>17/04/2023</a:t>
+              <a:t>30/04/2023</a:t>
             </a:fld>
             <a:endParaRPr lang="en-GB"/>
           </a:p>
@@ -2091,7 +2096,7 @@
           <a:p>
             <a:fld id="{ABBEAF4E-CE2E-4EEC-A39B-B2BEED729700}" type="datetimeFigureOut">
               <a:rPr lang="en-GB" smtClean="0"/>
-              <a:t>17/04/2023</a:t>
+              <a:t>30/04/2023</a:t>
             </a:fld>
             <a:endParaRPr lang="en-GB"/>
           </a:p>
@@ -2348,7 +2353,7 @@
           <a:p>
             <a:fld id="{ABBEAF4E-CE2E-4EEC-A39B-B2BEED729700}" type="datetimeFigureOut">
               <a:rPr lang="en-GB" smtClean="0"/>
-              <a:t>17/04/2023</a:t>
+              <a:t>30/04/2023</a:t>
             </a:fld>
             <a:endParaRPr lang="en-GB"/>
           </a:p>
@@ -2561,7 +2566,7 @@
           <a:p>
             <a:fld id="{ABBEAF4E-CE2E-4EEC-A39B-B2BEED729700}" type="datetimeFigureOut">
               <a:rPr lang="en-GB" smtClean="0"/>
-              <a:t>17/04/2023</a:t>
+              <a:t>30/04/2023</a:t>
             </a:fld>
             <a:endParaRPr lang="en-GB"/>
           </a:p>
@@ -2982,8 +2987,8 @@
         </p:nvGrpSpPr>
         <p:grpSpPr>
           <a:xfrm>
-            <a:off x="187063" y="90028"/>
-            <a:ext cx="6120000" cy="6300000"/>
+            <a:off x="914401" y="538975"/>
+            <a:ext cx="5317160" cy="5473547"/>
             <a:chOff x="3149601" y="221673"/>
             <a:chExt cx="5929744" cy="6419272"/>
           </a:xfrm>
@@ -4206,6 +4211,284 @@
           </p:spPr>
         </p:pic>
       </p:grpSp>
+      <mc:AlternateContent xmlns:mc="http://schemas.openxmlformats.org/markup-compatibility/2006">
+        <mc:Choice xmlns:a14="http://schemas.microsoft.com/office/drawing/2010/main" Requires="a14">
+          <p:sp>
+            <p:nvSpPr>
+              <p:cNvPr id="3" name="PoljeZBesedilom 2">
+                <a:extLst>
+                  <a:ext uri="{FF2B5EF4-FFF2-40B4-BE49-F238E27FC236}">
+                    <a16:creationId xmlns:a16="http://schemas.microsoft.com/office/drawing/2014/main" id="{31EFF1F5-70C0-4925-574A-2F87CC147548}"/>
+                  </a:ext>
+                </a:extLst>
+              </p:cNvPr>
+              <p:cNvSpPr txBox="1"/>
+              <p:nvPr/>
+            </p:nvSpPr>
+            <p:spPr>
+              <a:xfrm>
+                <a:off x="3283245" y="5963350"/>
+                <a:ext cx="3369228" cy="584775"/>
+              </a:xfrm>
+              <a:prstGeom prst="rect">
+                <a:avLst/>
+              </a:prstGeom>
+              <a:noFill/>
+            </p:spPr>
+            <p:txBody>
+              <a:bodyPr wrap="square" rtlCol="0">
+                <a:spAutoFit/>
+              </a:bodyPr>
+              <a:lstStyle/>
+              <a:p>
+                <a:pPr/>
+                <a14:m>
+                  <m:oMathPara xmlns:m="http://schemas.openxmlformats.org/officeDocument/2006/math">
+                    <m:oMathParaPr>
+                      <m:jc m:val="centerGroup"/>
+                    </m:oMathParaPr>
+                    <m:oMath xmlns:m="http://schemas.openxmlformats.org/officeDocument/2006/math">
+                      <m:r>
+                        <a:rPr lang="sl-SI" sz="3200" b="1" i="1" smtClean="0">
+                          <a:latin typeface="Cambria Math" panose="02040503050406030204" pitchFamily="18" charset="0"/>
+                        </a:rPr>
+                        <m:t>𝒓</m:t>
+                      </m:r>
+                      <m:r>
+                        <a:rPr lang="sl-SI" sz="3200" b="1" i="1" smtClean="0">
+                          <a:latin typeface="Cambria Math" panose="02040503050406030204" pitchFamily="18" charset="0"/>
+                        </a:rPr>
+                        <m:t>=</m:t>
+                      </m:r>
+                      <m:r>
+                        <a:rPr lang="sl-SI" sz="3200" b="1" i="1" smtClean="0">
+                          <a:latin typeface="Cambria Math" panose="02040503050406030204" pitchFamily="18" charset="0"/>
+                        </a:rPr>
+                        <m:t>𝟎</m:t>
+                      </m:r>
+                    </m:oMath>
+                  </m:oMathPara>
+                </a14:m>
+                <a:endParaRPr lang="en-GB" sz="2800" b="1" dirty="0"/>
+              </a:p>
+            </p:txBody>
+          </p:sp>
+        </mc:Choice>
+        <mc:Fallback>
+          <p:sp>
+            <p:nvSpPr>
+              <p:cNvPr id="3" name="PoljeZBesedilom 2">
+                <a:extLst>
+                  <a:ext uri="{FF2B5EF4-FFF2-40B4-BE49-F238E27FC236}">
+                    <a16:creationId xmlns:a16="http://schemas.microsoft.com/office/drawing/2014/main" id="{31EFF1F5-70C0-4925-574A-2F87CC147548}"/>
+                  </a:ext>
+                </a:extLst>
+              </p:cNvPr>
+              <p:cNvSpPr txBox="1">
+                <a:spLocks noRot="1" noChangeAspect="1" noMove="1" noResize="1" noEditPoints="1" noAdjustHandles="1" noChangeArrowheads="1" noChangeShapeType="1" noTextEdit="1"/>
+              </p:cNvSpPr>
+              <p:nvPr/>
+            </p:nvSpPr>
+            <p:spPr>
+              <a:xfrm>
+                <a:off x="3283245" y="5963350"/>
+                <a:ext cx="3369228" cy="584775"/>
+              </a:xfrm>
+              <a:prstGeom prst="rect">
+                <a:avLst/>
+              </a:prstGeom>
+              <a:blipFill>
+                <a:blip r:embed="rId6"/>
+                <a:stretch>
+                  <a:fillRect/>
+                </a:stretch>
+              </a:blipFill>
+            </p:spPr>
+            <p:txBody>
+              <a:bodyPr/>
+              <a:lstStyle/>
+              <a:p>
+                <a:r>
+                  <a:rPr lang="en-GB">
+                    <a:noFill/>
+                  </a:rPr>
+                  <a:t> </a:t>
+                </a:r>
+              </a:p>
+            </p:txBody>
+          </p:sp>
+        </mc:Fallback>
+      </mc:AlternateContent>
+      <mc:AlternateContent xmlns:mc="http://schemas.openxmlformats.org/markup-compatibility/2006">
+        <mc:Choice xmlns:a14="http://schemas.microsoft.com/office/drawing/2010/main" Requires="a14">
+          <p:sp>
+            <p:nvSpPr>
+              <p:cNvPr id="34" name="PoljeZBesedilom 33">
+                <a:extLst>
+                  <a:ext uri="{FF2B5EF4-FFF2-40B4-BE49-F238E27FC236}">
+                    <a16:creationId xmlns:a16="http://schemas.microsoft.com/office/drawing/2014/main" id="{D110A166-6133-A9E3-AD89-60E86E88C4AB}"/>
+                  </a:ext>
+                </a:extLst>
+              </p:cNvPr>
+              <p:cNvSpPr txBox="1"/>
+              <p:nvPr/>
+            </p:nvSpPr>
+            <p:spPr>
+              <a:xfrm>
+                <a:off x="2645155" y="-9484"/>
+                <a:ext cx="2067170" cy="584775"/>
+              </a:xfrm>
+              <a:prstGeom prst="rect">
+                <a:avLst/>
+              </a:prstGeom>
+              <a:noFill/>
+            </p:spPr>
+            <p:txBody>
+              <a:bodyPr wrap="square" rtlCol="0">
+                <a:spAutoFit/>
+              </a:bodyPr>
+              <a:lstStyle/>
+              <a:p>
+                <a14:m>
+                  <m:oMathPara xmlns:m="http://schemas.openxmlformats.org/officeDocument/2006/math">
+                    <m:oMathParaPr>
+                      <m:jc m:val="centerGroup"/>
+                    </m:oMathParaPr>
+                    <m:oMath xmlns:m="http://schemas.openxmlformats.org/officeDocument/2006/math">
+                      <m:r>
+                        <a:rPr lang="sl-SI" sz="3200" b="1" i="1" smtClean="0">
+                          <a:latin typeface="Cambria Math" panose="02040503050406030204" pitchFamily="18" charset="0"/>
+                        </a:rPr>
+                        <m:t>𝒓</m:t>
+                      </m:r>
+                      <m:r>
+                        <a:rPr lang="sl-SI" sz="3200" b="1" i="1" smtClean="0">
+                          <a:latin typeface="Cambria Math" panose="02040503050406030204" pitchFamily="18" charset="0"/>
+                        </a:rPr>
+                        <m:t>=</m:t>
+                      </m:r>
+                      <m:sSub>
+                        <m:sSubPr>
+                          <m:ctrlPr>
+                            <a:rPr lang="sl-SI" sz="3200" b="1" i="1" smtClean="0">
+                              <a:latin typeface="Cambria Math" panose="02040503050406030204" pitchFamily="18" charset="0"/>
+                            </a:rPr>
+                          </m:ctrlPr>
+                        </m:sSubPr>
+                        <m:e>
+                          <m:r>
+                            <a:rPr lang="sl-SI" sz="3200" b="1" i="1" smtClean="0">
+                              <a:latin typeface="Cambria Math" panose="02040503050406030204" pitchFamily="18" charset="0"/>
+                            </a:rPr>
+                            <m:t>𝒓</m:t>
+                          </m:r>
+                        </m:e>
+                        <m:sub>
+                          <m:r>
+                            <a:rPr lang="sl-SI" sz="3200" b="1" i="1" smtClean="0">
+                              <a:latin typeface="Cambria Math" panose="02040503050406030204" pitchFamily="18" charset="0"/>
+                            </a:rPr>
+                            <m:t>𝑺</m:t>
+                          </m:r>
+                        </m:sub>
+                      </m:sSub>
+                    </m:oMath>
+                  </m:oMathPara>
+                </a14:m>
+                <a:endParaRPr lang="en-GB" sz="3600" b="1" dirty="0"/>
+              </a:p>
+            </p:txBody>
+          </p:sp>
+        </mc:Choice>
+        <mc:Fallback>
+          <p:sp>
+            <p:nvSpPr>
+              <p:cNvPr id="34" name="PoljeZBesedilom 33">
+                <a:extLst>
+                  <a:ext uri="{FF2B5EF4-FFF2-40B4-BE49-F238E27FC236}">
+                    <a16:creationId xmlns:a16="http://schemas.microsoft.com/office/drawing/2014/main" id="{D110A166-6133-A9E3-AD89-60E86E88C4AB}"/>
+                  </a:ext>
+                </a:extLst>
+              </p:cNvPr>
+              <p:cNvSpPr txBox="1">
+                <a:spLocks noRot="1" noChangeAspect="1" noMove="1" noResize="1" noEditPoints="1" noAdjustHandles="1" noChangeArrowheads="1" noChangeShapeType="1" noTextEdit="1"/>
+              </p:cNvSpPr>
+              <p:nvPr/>
+            </p:nvSpPr>
+            <p:spPr>
+              <a:xfrm>
+                <a:off x="2645155" y="-9484"/>
+                <a:ext cx="2067170" cy="584775"/>
+              </a:xfrm>
+              <a:prstGeom prst="rect">
+                <a:avLst/>
+              </a:prstGeom>
+              <a:blipFill>
+                <a:blip r:embed="rId7"/>
+                <a:stretch>
+                  <a:fillRect/>
+                </a:stretch>
+              </a:blipFill>
+            </p:spPr>
+            <p:txBody>
+              <a:bodyPr/>
+              <a:lstStyle/>
+              <a:p>
+                <a:r>
+                  <a:rPr lang="en-GB">
+                    <a:noFill/>
+                  </a:rPr>
+                  <a:t> </a:t>
+                </a:r>
+              </a:p>
+            </p:txBody>
+          </p:sp>
+        </mc:Fallback>
+      </mc:AlternateContent>
+      <p:cxnSp>
+        <p:nvCxnSpPr>
+          <p:cNvPr id="36" name="Raven povezovalnik 35">
+            <a:extLst>
+              <a:ext uri="{FF2B5EF4-FFF2-40B4-BE49-F238E27FC236}">
+                <a16:creationId xmlns:a16="http://schemas.microsoft.com/office/drawing/2014/main" id="{2A95227D-F558-3CC7-348B-B37197F9D14A}"/>
+              </a:ext>
+            </a:extLst>
+          </p:cNvPr>
+          <p:cNvCxnSpPr>
+            <a:stCxn id="6" idx="1"/>
+            <a:endCxn id="6" idx="3"/>
+          </p:cNvCxnSpPr>
+          <p:nvPr/>
+        </p:nvCxnSpPr>
+        <p:spPr>
+          <a:xfrm>
+            <a:off x="4909942" y="841458"/>
+            <a:ext cx="0" cy="4891623"/>
+          </a:xfrm>
+          <a:prstGeom prst="line">
+            <a:avLst/>
+          </a:prstGeom>
+          <a:ln w="38100">
+            <a:solidFill>
+              <a:srgbClr val="FF0000"/>
+            </a:solidFill>
+          </a:ln>
+        </p:spPr>
+        <p:style>
+          <a:lnRef idx="3">
+            <a:schemeClr val="dk1"/>
+          </a:lnRef>
+          <a:fillRef idx="0">
+            <a:schemeClr val="dk1"/>
+          </a:fillRef>
+          <a:effectRef idx="2">
+            <a:schemeClr val="dk1"/>
+          </a:effectRef>
+          <a:fontRef idx="minor">
+            <a:schemeClr val="tx1"/>
+          </a:fontRef>
+        </p:style>
+      </p:cxnSp>
     </p:spTree>
     <p:extLst>
       <p:ext uri="{BB962C8B-B14F-4D97-AF65-F5344CB8AC3E}">
